--- a/Documents/ap_proj_2.pptx
+++ b/Documents/ap_proj_2.pptx
@@ -200,7 +200,7 @@
           <a:p>
             <a:fld id="{CF60E6C8-AF71-A84D-BEB1-F9D3480EE114}" type="datetimeFigureOut">
               <a:rPr lang="en-US" smtClean="0"/>
-              <a:t>11/30/2019</a:t>
+              <a:t>12/1/2019</a:t>
             </a:fld>
             <a:endParaRPr lang="en-US"/>
           </a:p>
@@ -797,7 +797,7 @@
             <a:fld id="{B61BEF0D-F0BB-DE4B-95CE-6DB70DBA9567}" type="datetimeFigureOut">
               <a:rPr lang="en-US" dirty="0"/>
               <a:pPr/>
-              <a:t>11/30/2019</a:t>
+              <a:t>12/1/2019</a:t>
             </a:fld>
             <a:endParaRPr lang="en-US" dirty="0"/>
           </a:p>
@@ -1056,7 +1056,7 @@
             <a:fld id="{B61BEF0D-F0BB-DE4B-95CE-6DB70DBA9567}" type="datetimeFigureOut">
               <a:rPr lang="en-US" dirty="0"/>
               <a:pPr/>
-              <a:t>11/30/2019</a:t>
+              <a:t>12/1/2019</a:t>
             </a:fld>
             <a:endParaRPr lang="en-US" dirty="0"/>
           </a:p>
@@ -1288,7 +1288,7 @@
             <a:fld id="{B61BEF0D-F0BB-DE4B-95CE-6DB70DBA9567}" type="datetimeFigureOut">
               <a:rPr lang="en-US" dirty="0"/>
               <a:pPr/>
-              <a:t>11/30/2019</a:t>
+              <a:t>12/1/2019</a:t>
             </a:fld>
             <a:endParaRPr lang="en-US" dirty="0"/>
           </a:p>
@@ -1525,7 +1525,7 @@
             <a:fld id="{B61BEF0D-F0BB-DE4B-95CE-6DB70DBA9567}" type="datetimeFigureOut">
               <a:rPr lang="en-US" dirty="0"/>
               <a:pPr/>
-              <a:t>11/30/2019</a:t>
+              <a:t>12/1/2019</a:t>
             </a:fld>
             <a:endParaRPr lang="en-US" dirty="0"/>
           </a:p>
@@ -1829,7 +1829,7 @@
             <a:fld id="{B61BEF0D-F0BB-DE4B-95CE-6DB70DBA9567}" type="datetimeFigureOut">
               <a:rPr lang="en-US" dirty="0"/>
               <a:pPr/>
-              <a:t>11/30/2019</a:t>
+              <a:t>12/1/2019</a:t>
             </a:fld>
             <a:endParaRPr lang="en-US" dirty="0"/>
           </a:p>
@@ -2128,7 +2128,7 @@
             <a:fld id="{B61BEF0D-F0BB-DE4B-95CE-6DB70DBA9567}" type="datetimeFigureOut">
               <a:rPr lang="en-US" dirty="0"/>
               <a:pPr/>
-              <a:t>11/30/2019</a:t>
+              <a:t>12/1/2019</a:t>
             </a:fld>
             <a:endParaRPr lang="en-US" dirty="0"/>
           </a:p>
@@ -2547,7 +2547,7 @@
             <a:fld id="{B61BEF0D-F0BB-DE4B-95CE-6DB70DBA9567}" type="datetimeFigureOut">
               <a:rPr lang="en-US" dirty="0"/>
               <a:pPr/>
-              <a:t>11/30/2019</a:t>
+              <a:t>12/1/2019</a:t>
             </a:fld>
             <a:endParaRPr lang="en-US" dirty="0"/>
           </a:p>
@@ -2706,7 +2706,7 @@
             <a:fld id="{B61BEF0D-F0BB-DE4B-95CE-6DB70DBA9567}" type="datetimeFigureOut">
               <a:rPr lang="en-US" dirty="0"/>
               <a:pPr/>
-              <a:t>11/30/2019</a:t>
+              <a:t>12/1/2019</a:t>
             </a:fld>
             <a:endParaRPr lang="en-US" dirty="0"/>
           </a:p>
@@ -2798,7 +2798,7 @@
             <a:fld id="{B61BEF0D-F0BB-DE4B-95CE-6DB70DBA9567}" type="datetimeFigureOut">
               <a:rPr lang="en-US" dirty="0"/>
               <a:pPr/>
-              <a:t>11/30/2019</a:t>
+              <a:t>12/1/2019</a:t>
             </a:fld>
             <a:endParaRPr lang="en-US" dirty="0"/>
           </a:p>
@@ -3173,7 +3173,7 @@
             <a:fld id="{B61BEF0D-F0BB-DE4B-95CE-6DB70DBA9567}" type="datetimeFigureOut">
               <a:rPr lang="en-US" dirty="0"/>
               <a:pPr/>
-              <a:t>11/30/2019</a:t>
+              <a:t>12/1/2019</a:t>
             </a:fld>
             <a:endParaRPr lang="en-US" dirty="0"/>
           </a:p>
@@ -3459,7 +3459,7 @@
             <a:fld id="{B61BEF0D-F0BB-DE4B-95CE-6DB70DBA9567}" type="datetimeFigureOut">
               <a:rPr lang="en-US" dirty="0"/>
               <a:pPr/>
-              <a:t>11/30/2019</a:t>
+              <a:t>12/1/2019</a:t>
             </a:fld>
             <a:endParaRPr lang="en-US" dirty="0"/>
           </a:p>
@@ -3667,7 +3667,7 @@
             <a:fld id="{B61BEF0D-F0BB-DE4B-95CE-6DB70DBA9567}" type="datetimeFigureOut">
               <a:rPr lang="en-US" dirty="0"/>
               <a:pPr/>
-              <a:t>11/30/2019</a:t>
+              <a:t>12/1/2019</a:t>
             </a:fld>
             <a:endParaRPr lang="en-US" dirty="0"/>
           </a:p>
@@ -4458,7 +4458,7 @@
           <p:cNvPr id="4" name="Title 3">
             <a:extLst>
               <a:ext uri="{FF2B5EF4-FFF2-40B4-BE49-F238E27FC236}">
-                <a16:creationId xmlns:a16="http://schemas.microsoft.com/office/drawing/2014/main" xmlns="" id="{7F14249E-F80F-1745-BDC4-14A523088C4E}"/>
+                <a16:creationId xmlns="" xmlns:a16="http://schemas.microsoft.com/office/drawing/2014/main" id="{7F14249E-F80F-1745-BDC4-14A523088C4E}"/>
               </a:ext>
             </a:extLst>
           </p:cNvPr>
@@ -4688,7 +4688,7 @@
           <p:cNvPr id="2" name="Title 1">
             <a:extLst>
               <a:ext uri="{FF2B5EF4-FFF2-40B4-BE49-F238E27FC236}">
-                <a16:creationId xmlns:a16="http://schemas.microsoft.com/office/drawing/2014/main" xmlns="" id="{D7142B6E-1B30-3D40-B299-A1EB5D27560A}"/>
+                <a16:creationId xmlns="" xmlns:a16="http://schemas.microsoft.com/office/drawing/2014/main" id="{D7142B6E-1B30-3D40-B299-A1EB5D27560A}"/>
               </a:ext>
             </a:extLst>
           </p:cNvPr>
@@ -4717,7 +4717,7 @@
           <p:cNvPr id="3" name="Content Placeholder 2">
             <a:extLst>
               <a:ext uri="{FF2B5EF4-FFF2-40B4-BE49-F238E27FC236}">
-                <a16:creationId xmlns:a16="http://schemas.microsoft.com/office/drawing/2014/main" xmlns="" id="{D949FE9E-042C-184D-8999-8CE5A1A39FB5}"/>
+                <a16:creationId xmlns="" xmlns:a16="http://schemas.microsoft.com/office/drawing/2014/main" id="{D949FE9E-042C-184D-8999-8CE5A1A39FB5}"/>
               </a:ext>
             </a:extLst>
           </p:cNvPr>
@@ -4741,31 +4741,52 @@
           <a:lstStyle/>
           <a:p>
             <a:r>
-              <a:rPr lang="en-US" sz="2000" dirty="0"/>
-              <a:t>On clicking the bonus icon for some cost it stops the zombie motion for 2 </a:t>
-            </a:r>
+              <a:rPr lang="en-US" sz="2000" b="1" dirty="0"/>
+              <a:t>On clicking the bonus icon for some cost it stops the zombie motion </a:t>
+            </a:r>
+            <a:r>
+              <a:rPr lang="en-US" sz="2000" b="1"/>
+              <a:t>for </a:t>
+            </a:r>
+            <a:r>
+              <a:rPr lang="en-US" sz="2000" b="1" dirty="0"/>
+              <a:t>5</a:t>
+            </a:r>
+            <a:r>
+              <a:rPr lang="en-US" sz="2000" b="1" smtClean="0"/>
+              <a:t> </a:t>
+            </a:r>
+            <a:r>
+              <a:rPr lang="en-US" sz="2000" b="1" dirty="0" smtClean="0"/>
+              <a:t>seconds.</a:t>
+            </a:r>
+            <a:endParaRPr lang="en-US" sz="2000" b="1" dirty="0"/>
+          </a:p>
+          <a:p>
+            <a:pPr marL="0" indent="0">
+              <a:buNone/>
+            </a:pPr>
             <a:r>
               <a:rPr lang="en-US" sz="2000" dirty="0" smtClean="0"/>
-              <a:t>seconds.</a:t>
-            </a:r>
-            <a:endParaRPr lang="en-US" sz="2000" dirty="0"/>
-          </a:p>
-          <a:p>
+              <a:t>	A new timeline is made when we press the button and then we just pause the zombie timeline for that duration while the others work fine(</a:t>
+            </a:r>
+            <a:r>
+              <a:rPr lang="en-US" sz="2000" dirty="0" err="1" smtClean="0"/>
+              <a:t>i.e</a:t>
+            </a:r>
             <a:r>
               <a:rPr lang="en-US" sz="2000" dirty="0" smtClean="0"/>
-              <a:t>On clicking the bonus icon it tells us the path from where zombie is coming.</a:t>
-            </a:r>
-          </a:p>
-          <a:p>
+              <a:t> plants can still attack zombie giving them an advantage)</a:t>
+            </a:r>
+          </a:p>
+          <a:p>
+            <a:pPr marL="0" indent="0">
+              <a:buNone/>
+            </a:pPr>
             <a:r>
               <a:rPr lang="en-US" sz="2000" dirty="0" smtClean="0"/>
-              <a:t>A lot of sun tokens with value more than usual.</a:t>
-            </a:r>
-          </a:p>
-          <a:p>
-            <a:pPr marL="0" indent="0">
-              <a:buNone/>
-            </a:pPr>
+              <a:t>This can be considered as a protection feature.</a:t>
+            </a:r>
             <a:endParaRPr lang="en-IN" sz="2000" dirty="0"/>
           </a:p>
           <a:p>
